--- a/Iniciação/01_Plano_de_Projeto2.pptx
+++ b/Iniciação/01_Plano_de_Projeto2.pptx
@@ -1100,8 +1100,8 @@
         </p:nvSpPr>
         <p:spPr>
           <a:xfrm>
-            <a:off x="1143225" y="685800"/>
-            <a:ext cx="4572225" cy="3429000"/>
+            <a:off x="1143000" y="685800"/>
+            <a:ext cx="4572000" cy="3429000"/>
           </a:xfrm>
           <a:custGeom>
             <a:avLst/>
@@ -12004,21 +12004,16 @@
           </a:bodyPr>
           <a:lstStyle/>
           <a:p>
-            <a:pPr marL="457200" lvl="0" indent="-342900" algn="l" rtl="0">
-              <a:spcBef>
-                <a:spcPts val="0"/>
-              </a:spcBef>
-              <a:spcAft>
-                <a:spcPts val="0"/>
-              </a:spcAft>
-              <a:buSzPts val="1800"/>
-              <a:buChar char="●"/>
+            <a:pPr>
+              <a:spcBef>
+                <a:spcPts val="0"/>
+              </a:spcBef>
             </a:pPr>
             <a:r>
-              <a:rPr lang="en-US"/>
+              <a:rPr lang="en-US" dirty="0"/>
               <a:t>Leonardo Batista</a:t>
             </a:r>
-            <a:endParaRPr/>
+            <a:endParaRPr dirty="0"/>
           </a:p>
           <a:p>
             <a:pPr marL="914400" lvl="1" indent="-342900" algn="l" rtl="0">
@@ -12032,27 +12027,25 @@
               <a:buChar char="○"/>
             </a:pPr>
             <a:r>
-              <a:rPr lang="en-US"/>
-              <a:t>Front-end, Back-end, analista de qualidade, gerente (1ª Iteração )</a:t>
+              <a:rPr lang="en-US" dirty="0"/>
+              <a:t>Front-end, </a:t>
             </a:r>
-            <a:endParaRPr/>
-          </a:p>
-          <a:p>
-            <a:pPr marL="457200" lvl="0" indent="-342900" algn="l" rtl="0">
-              <a:spcBef>
-                <a:spcPts val="0"/>
-              </a:spcBef>
-              <a:spcAft>
-                <a:spcPts val="0"/>
-              </a:spcAft>
-              <a:buSzPts val="1800"/>
-              <a:buChar char="●"/>
-            </a:pPr>
             <a:r>
-              <a:rPr lang="en-US"/>
-              <a:t>Marcos Fábio</a:t>
+              <a:rPr lang="en-US" dirty="0" err="1"/>
+              <a:t>analista</a:t>
             </a:r>
-            <a:endParaRPr/>
+            <a:r>
+              <a:rPr lang="en-US" dirty="0"/>
+              <a:t> de </a:t>
+            </a:r>
+            <a:r>
+              <a:rPr lang="en-US" dirty="0" err="1"/>
+              <a:t>qualidade</a:t>
+            </a:r>
+            <a:r>
+              <a:rPr lang="en-US" dirty="0"/>
+              <a:t>, testes</a:t>
+            </a:r>
           </a:p>
           <a:p>
             <a:pPr marL="914400" lvl="1" indent="-342900" algn="l" rtl="0">
@@ -12065,57 +12058,35 @@
               <a:buSzPts val="1800"/>
               <a:buChar char="○"/>
             </a:pPr>
-            <a:r>
-              <a:rPr lang="en-US"/>
-              <a:t>Front-end, Back-end, DBA, gerente (2ª Iteração)</a:t>
-            </a:r>
-            <a:endParaRPr/>
-          </a:p>
-          <a:p>
-            <a:pPr marL="457200" lvl="0" indent="-342900" algn="l" rtl="0">
-              <a:spcBef>
-                <a:spcPts val="0"/>
-              </a:spcBef>
-              <a:spcAft>
-                <a:spcPts val="0"/>
-              </a:spcAft>
-              <a:buSzPts val="1800"/>
-              <a:buChar char="●"/>
+            <a:endParaRPr lang="en-US" dirty="0"/>
+          </a:p>
+          <a:p>
+            <a:pPr>
+              <a:spcBef>
+                <a:spcPts val="0"/>
+              </a:spcBef>
+              <a:buFont typeface="Arial" panose="020B0604020202020204" pitchFamily="34" charset="0"/>
+              <a:buChar char="•"/>
             </a:pPr>
             <a:r>
-              <a:rPr lang="en-US"/>
+              <a:rPr lang="en-US" dirty="0"/>
               <a:t>Ernando Ferreira</a:t>
             </a:r>
-            <a:endParaRPr/>
-          </a:p>
-          <a:p>
-            <a:pPr marL="914400" lvl="1" indent="-342900" algn="l" rtl="0">
-              <a:spcBef>
-                <a:spcPts val="0"/>
-              </a:spcBef>
-              <a:spcAft>
-                <a:spcPts val="0"/>
-              </a:spcAft>
-              <a:buSzPts val="1800"/>
-              <a:buChar char="○"/>
+            <a:endParaRPr dirty="0"/>
+          </a:p>
+          <a:p>
+            <a:pPr lvl="1">
+              <a:spcBef>
+                <a:spcPts val="0"/>
+              </a:spcBef>
+              <a:buFont typeface="Courier New" panose="02070309020205020404" pitchFamily="49" charset="0"/>
+              <a:buChar char="o"/>
             </a:pPr>
             <a:r>
-              <a:rPr lang="en-US"/>
-              <a:t>Front-end, Back-end, testes, gerente (3ª Iteração)</a:t>
+              <a:rPr lang="en-US" dirty="0"/>
+              <a:t>Back-end, testes, DBA</a:t>
             </a:r>
-            <a:endParaRPr/>
-          </a:p>
-          <a:p>
-            <a:pPr marL="342900" lvl="0" indent="0" algn="l" rtl="0">
-              <a:spcBef>
-                <a:spcPts val="0"/>
-              </a:spcBef>
-              <a:spcAft>
-                <a:spcPts val="0"/>
-              </a:spcAft>
-              <a:buNone/>
-            </a:pPr>
-            <a:endParaRPr/>
+            <a:endParaRPr dirty="0"/>
           </a:p>
         </p:txBody>
       </p:sp>
